--- a/ppt/Python_10_가설 검정과 통계적 추론.pptx
+++ b/ppt/Python_10_가설 검정과 통계적 추론.pptx
@@ -17,8 +17,8 @@
     <p:sldId id="261" r:id="rId11"/>
     <p:sldId id="262" r:id="rId12"/>
     <p:sldId id="263" r:id="rId13"/>
-    <p:sldId id="264" r:id="rId14"/>
-    <p:sldId id="265" r:id="rId15"/>
+    <p:sldId id="275" r:id="rId14"/>
+    <p:sldId id="264" r:id="rId15"/>
     <p:sldId id="267" r:id="rId16"/>
   </p:sldIdLst>
   <p:sldSz cx="12192000" cy="6858000"/>
@@ -257,7 +257,7 @@
           <a:p>
             <a:fld id="{D1DA6318-F05F-43A8-92D4-154D176C579E}" type="datetimeFigureOut">
               <a:rPr lang="ko-KR" altLang="en-US" smtClean="0"/>
-              <a:t>2017-05-17</a:t>
+              <a:t>2017-06-08</a:t>
             </a:fld>
             <a:endParaRPr lang="ko-KR" altLang="en-US"/>
           </a:p>
@@ -427,7 +427,7 @@
           <a:p>
             <a:fld id="{D1DA6318-F05F-43A8-92D4-154D176C579E}" type="datetimeFigureOut">
               <a:rPr lang="ko-KR" altLang="en-US" smtClean="0"/>
-              <a:t>2017-05-17</a:t>
+              <a:t>2017-06-08</a:t>
             </a:fld>
             <a:endParaRPr lang="ko-KR" altLang="en-US"/>
           </a:p>
@@ -607,7 +607,7 @@
           <a:p>
             <a:fld id="{D1DA6318-F05F-43A8-92D4-154D176C579E}" type="datetimeFigureOut">
               <a:rPr lang="ko-KR" altLang="en-US" smtClean="0"/>
-              <a:t>2017-05-17</a:t>
+              <a:t>2017-06-08</a:t>
             </a:fld>
             <a:endParaRPr lang="ko-KR" altLang="en-US"/>
           </a:p>
@@ -777,7 +777,7 @@
           <a:p>
             <a:fld id="{D1DA6318-F05F-43A8-92D4-154D176C579E}" type="datetimeFigureOut">
               <a:rPr lang="ko-KR" altLang="en-US" smtClean="0"/>
-              <a:t>2017-05-17</a:t>
+              <a:t>2017-06-08</a:t>
             </a:fld>
             <a:endParaRPr lang="ko-KR" altLang="en-US"/>
           </a:p>
@@ -1023,7 +1023,7 @@
           <a:p>
             <a:fld id="{D1DA6318-F05F-43A8-92D4-154D176C579E}" type="datetimeFigureOut">
               <a:rPr lang="ko-KR" altLang="en-US" smtClean="0"/>
-              <a:t>2017-05-17</a:t>
+              <a:t>2017-06-08</a:t>
             </a:fld>
             <a:endParaRPr lang="ko-KR" altLang="en-US"/>
           </a:p>
@@ -1255,7 +1255,7 @@
           <a:p>
             <a:fld id="{D1DA6318-F05F-43A8-92D4-154D176C579E}" type="datetimeFigureOut">
               <a:rPr lang="ko-KR" altLang="en-US" smtClean="0"/>
-              <a:t>2017-05-17</a:t>
+              <a:t>2017-06-08</a:t>
             </a:fld>
             <a:endParaRPr lang="ko-KR" altLang="en-US"/>
           </a:p>
@@ -1622,7 +1622,7 @@
           <a:p>
             <a:fld id="{D1DA6318-F05F-43A8-92D4-154D176C579E}" type="datetimeFigureOut">
               <a:rPr lang="ko-KR" altLang="en-US" smtClean="0"/>
-              <a:t>2017-05-17</a:t>
+              <a:t>2017-06-08</a:t>
             </a:fld>
             <a:endParaRPr lang="ko-KR" altLang="en-US"/>
           </a:p>
@@ -1740,7 +1740,7 @@
           <a:p>
             <a:fld id="{D1DA6318-F05F-43A8-92D4-154D176C579E}" type="datetimeFigureOut">
               <a:rPr lang="ko-KR" altLang="en-US" smtClean="0"/>
-              <a:t>2017-05-17</a:t>
+              <a:t>2017-06-08</a:t>
             </a:fld>
             <a:endParaRPr lang="ko-KR" altLang="en-US"/>
           </a:p>
@@ -1835,7 +1835,7 @@
           <a:p>
             <a:fld id="{D1DA6318-F05F-43A8-92D4-154D176C579E}" type="datetimeFigureOut">
               <a:rPr lang="ko-KR" altLang="en-US" smtClean="0"/>
-              <a:t>2017-05-17</a:t>
+              <a:t>2017-06-08</a:t>
             </a:fld>
             <a:endParaRPr lang="ko-KR" altLang="en-US"/>
           </a:p>
@@ -2112,7 +2112,7 @@
           <a:p>
             <a:fld id="{D1DA6318-F05F-43A8-92D4-154D176C579E}" type="datetimeFigureOut">
               <a:rPr lang="ko-KR" altLang="en-US" smtClean="0"/>
-              <a:t>2017-05-17</a:t>
+              <a:t>2017-06-08</a:t>
             </a:fld>
             <a:endParaRPr lang="ko-KR" altLang="en-US"/>
           </a:p>
@@ -2365,7 +2365,7 @@
           <a:p>
             <a:fld id="{D1DA6318-F05F-43A8-92D4-154D176C579E}" type="datetimeFigureOut">
               <a:rPr lang="ko-KR" altLang="en-US" smtClean="0"/>
-              <a:t>2017-05-17</a:t>
+              <a:t>2017-06-08</a:t>
             </a:fld>
             <a:endParaRPr lang="ko-KR" altLang="en-US"/>
           </a:p>
@@ -2578,7 +2578,7 @@
           <a:p>
             <a:fld id="{D1DA6318-F05F-43A8-92D4-154D176C579E}" type="datetimeFigureOut">
               <a:rPr lang="ko-KR" altLang="en-US" smtClean="0"/>
-              <a:t>2017-05-17</a:t>
+              <a:t>2017-06-08</a:t>
             </a:fld>
             <a:endParaRPr lang="ko-KR" altLang="en-US"/>
           </a:p>
@@ -3078,8 +3078,8 @@
           </a:p>
         </p:txBody>
       </p:sp>
-      <mc:AlternateContent xmlns:mc="http://schemas.openxmlformats.org/markup-compatibility/2006" xmlns:a14="http://schemas.microsoft.com/office/drawing/2010/main">
-        <mc:Choice Requires="a14">
+      <mc:AlternateContent xmlns:mc="http://schemas.openxmlformats.org/markup-compatibility/2006">
+        <mc:Choice xmlns:a14="http://schemas.microsoft.com/office/drawing/2010/main" Requires="a14">
           <p:sp>
             <p:nvSpPr>
               <p:cNvPr id="3" name="내용 개체 틀 2"/>
@@ -3298,11 +3298,15 @@
                 <a:pPr lvl="1"/>
                 <a:r>
                   <a:rPr lang="en-US" altLang="ko-KR" dirty="0" err="1" smtClean="0"/>
-                  <a:t>normal_two_sided_bouds</a:t>
-                </a:r>
-                <a:r>
-                  <a:rPr lang="en-US" altLang="ko-KR" dirty="0" smtClean="0"/>
-                  <a:t>(0.95, mu_0, sigma_0)   # (469,  531)</a:t>
+                  <a:t>normal_two_sided_bounds</a:t>
+                </a:r>
+                <a:r>
+                  <a:rPr lang="en-US" altLang="ko-KR" dirty="0" smtClean="0"/>
+                  <a:t>(0.95</a:t>
+                </a:r>
+                <a:r>
+                  <a:rPr lang="en-US" altLang="ko-KR" dirty="0" smtClean="0"/>
+                  <a:t>, mu_0, sigma_0)   # (469,  531)</a:t>
                 </a:r>
               </a:p>
               <a:p>
@@ -3311,7 +3315,7 @@
             </p:txBody>
           </p:sp>
         </mc:Choice>
-        <mc:Fallback xmlns="">
+        <mc:Fallback>
           <p:sp>
             <p:nvSpPr>
               <p:cNvPr id="3" name="내용 개체 틀 2"/>
@@ -3564,12 +3568,16 @@
               <a:rPr lang="en-US" altLang="ko-KR" dirty="0" smtClean="0"/>
               <a:t>p-value</a:t>
             </a:r>
+            <a:r>
+              <a:rPr lang="ko-KR" altLang="en-US" dirty="0" smtClean="0"/>
+              <a:t>를 이용한 양측 검정</a:t>
+            </a:r>
             <a:endParaRPr lang="ko-KR" altLang="en-US" dirty="0"/>
           </a:p>
         </p:txBody>
       </p:sp>
-      <mc:AlternateContent xmlns:mc="http://schemas.openxmlformats.org/markup-compatibility/2006">
-        <mc:Choice xmlns:a14="http://schemas.microsoft.com/office/drawing/2010/main" Requires="a14">
+      <mc:AlternateContent xmlns:mc="http://schemas.openxmlformats.org/markup-compatibility/2006" xmlns:a14="http://schemas.microsoft.com/office/drawing/2010/main">
+        <mc:Choice Requires="a14">
           <p:sp>
             <p:nvSpPr>
               <p:cNvPr id="3" name="내용 개체 틀 2"/>
@@ -3764,7 +3772,7 @@
             </p:txBody>
           </p:sp>
         </mc:Choice>
-        <mc:Fallback>
+        <mc:Fallback xmlns="">
           <p:sp>
             <p:nvSpPr>
               <p:cNvPr id="3" name="내용 개체 틀 2"/>
@@ -3842,246 +3850,6 @@
             <p:ph type="title"/>
           </p:nvPr>
         </p:nvSpPr>
-        <p:spPr>
-          <a:xfrm>
-            <a:off x="838200" y="365125"/>
-            <a:ext cx="10515600" cy="952929"/>
-          </a:xfrm>
-        </p:spPr>
-        <p:txBody>
-          <a:bodyPr/>
-          <a:lstStyle/>
-          <a:p>
-            <a:r>
-              <a:rPr lang="ko-KR" altLang="en-US" dirty="0" smtClean="0"/>
-              <a:t>시뮬레이션을 통한 확인</a:t>
-            </a:r>
-            <a:endParaRPr lang="ko-KR" altLang="en-US" dirty="0"/>
-          </a:p>
-        </p:txBody>
-      </p:sp>
-      <p:sp>
-        <p:nvSpPr>
-          <p:cNvPr id="3" name="내용 개체 틀 2"/>
-          <p:cNvSpPr>
-            <a:spLocks noGrp="1"/>
-          </p:cNvSpPr>
-          <p:nvPr>
-            <p:ph idx="1"/>
-          </p:nvPr>
-        </p:nvSpPr>
-        <p:spPr>
-          <a:xfrm>
-            <a:off x="838200" y="1491049"/>
-            <a:ext cx="10515600" cy="4685914"/>
-          </a:xfrm>
-        </p:spPr>
-        <p:txBody>
-          <a:bodyPr>
-            <a:normAutofit/>
-          </a:bodyPr>
-          <a:lstStyle/>
-          <a:p>
-            <a:r>
-              <a:rPr lang="en-US" altLang="ko-KR" dirty="0" smtClean="0"/>
-              <a:t>100000</a:t>
-            </a:r>
-            <a:r>
-              <a:rPr lang="ko-KR" altLang="en-US" dirty="0" smtClean="0"/>
-              <a:t>의 시뮬레이션 실험을 통해</a:t>
-            </a:r>
-            <a:r>
-              <a:rPr lang="en-US" altLang="ko-KR" dirty="0" smtClean="0"/>
-              <a:t>, </a:t>
-            </a:r>
-            <a:r>
-              <a:rPr lang="ko-KR" altLang="en-US" dirty="0" smtClean="0"/>
-              <a:t>총 앞면의 횟수가 </a:t>
-            </a:r>
-            <a:r>
-              <a:rPr lang="en-US" altLang="ko-KR" dirty="0" smtClean="0"/>
-              <a:t>(470, 530)</a:t>
-            </a:r>
-            <a:r>
-              <a:rPr lang="ko-KR" altLang="en-US" dirty="0" smtClean="0"/>
-              <a:t>을 넘어가는 </a:t>
-            </a:r>
-            <a:r>
-              <a:rPr lang="en-US" altLang="ko-KR" dirty="0" smtClean="0"/>
-              <a:t>extreme </a:t>
-            </a:r>
-            <a:r>
-              <a:rPr lang="ko-KR" altLang="en-US" dirty="0" smtClean="0"/>
-              <a:t>사건의 개수를 합산</a:t>
-            </a:r>
-            <a:endParaRPr lang="en-US" altLang="ko-KR" dirty="0" smtClean="0"/>
-          </a:p>
-          <a:p>
-            <a:pPr lvl="1"/>
-            <a:r>
-              <a:rPr lang="ko-KR" altLang="en-US" dirty="0" smtClean="0"/>
-              <a:t>여기서 각각의 실험은 동전을 </a:t>
-            </a:r>
-            <a:r>
-              <a:rPr lang="en-US" altLang="ko-KR" dirty="0" smtClean="0"/>
-              <a:t>1000</a:t>
-            </a:r>
-            <a:r>
-              <a:rPr lang="ko-KR" altLang="en-US" dirty="0" smtClean="0"/>
-              <a:t>회 던지는 실험</a:t>
-            </a:r>
-            <a:endParaRPr lang="en-US" altLang="ko-KR" dirty="0" smtClean="0"/>
-          </a:p>
-          <a:p>
-            <a:pPr marL="0" indent="0">
-              <a:buNone/>
-            </a:pPr>
-            <a:r>
-              <a:rPr lang="en-US" altLang="ko-KR" dirty="0" err="1" smtClean="0"/>
-              <a:t>extreme_value_count</a:t>
-            </a:r>
-            <a:r>
-              <a:rPr lang="en-US" altLang="ko-KR" dirty="0" smtClean="0"/>
-              <a:t> = 0</a:t>
-            </a:r>
-          </a:p>
-          <a:p>
-            <a:pPr marL="0" indent="0">
-              <a:buNone/>
-            </a:pPr>
-            <a:r>
-              <a:rPr lang="en-US" altLang="ko-KR" dirty="0" smtClean="0"/>
-              <a:t>for _ in range(100000):</a:t>
-            </a:r>
-            <a:br>
-              <a:rPr lang="en-US" altLang="ko-KR" dirty="0" smtClean="0"/>
-            </a:br>
-            <a:r>
-              <a:rPr lang="en-US" altLang="ko-KR" dirty="0" smtClean="0"/>
-              <a:t>	</a:t>
-            </a:r>
-            <a:r>
-              <a:rPr lang="en-US" altLang="ko-KR" dirty="0" err="1" smtClean="0"/>
-              <a:t>num_heads</a:t>
-            </a:r>
-            <a:r>
-              <a:rPr lang="en-US" altLang="ko-KR" dirty="0" smtClean="0"/>
-              <a:t> = sum(1 if </a:t>
-            </a:r>
-            <a:r>
-              <a:rPr lang="en-US" altLang="ko-KR" dirty="0" err="1" smtClean="0"/>
-              <a:t>random.random</a:t>
-            </a:r>
-            <a:r>
-              <a:rPr lang="en-US" altLang="ko-KR" dirty="0" smtClean="0"/>
-              <a:t>() &lt; 0.5 else 0</a:t>
-            </a:r>
-            <a:br>
-              <a:rPr lang="en-US" altLang="ko-KR" dirty="0" smtClean="0"/>
-            </a:br>
-            <a:r>
-              <a:rPr lang="en-US" altLang="ko-KR" dirty="0" smtClean="0"/>
-              <a:t>					for _ in range(1000))</a:t>
-            </a:r>
-            <a:br>
-              <a:rPr lang="en-US" altLang="ko-KR" dirty="0" smtClean="0"/>
-            </a:br>
-            <a:r>
-              <a:rPr lang="en-US" altLang="ko-KR" dirty="0" smtClean="0"/>
-              <a:t>	if </a:t>
-            </a:r>
-            <a:r>
-              <a:rPr lang="en-US" altLang="ko-KR" dirty="0" err="1" smtClean="0"/>
-              <a:t>num_heads</a:t>
-            </a:r>
-            <a:r>
-              <a:rPr lang="en-US" altLang="ko-KR" dirty="0" smtClean="0"/>
-              <a:t> &gt;= 530 or </a:t>
-            </a:r>
-            <a:r>
-              <a:rPr lang="en-US" altLang="ko-KR" dirty="0" err="1" smtClean="0"/>
-              <a:t>num_heads</a:t>
-            </a:r>
-            <a:r>
-              <a:rPr lang="en-US" altLang="ko-KR" dirty="0" smtClean="0"/>
-              <a:t> &lt;= 470:</a:t>
-            </a:r>
-            <a:br>
-              <a:rPr lang="en-US" altLang="ko-KR" dirty="0" smtClean="0"/>
-            </a:br>
-            <a:r>
-              <a:rPr lang="en-US" altLang="ko-KR" dirty="0" smtClean="0"/>
-              <a:t>		</a:t>
-            </a:r>
-            <a:r>
-              <a:rPr lang="en-US" altLang="ko-KR" dirty="0" err="1" smtClean="0"/>
-              <a:t>extreme_value_count</a:t>
-            </a:r>
-            <a:r>
-              <a:rPr lang="en-US" altLang="ko-KR" dirty="0" smtClean="0"/>
-              <a:t> += 1</a:t>
-            </a:r>
-          </a:p>
-          <a:p>
-            <a:pPr marL="0" indent="0">
-              <a:buNone/>
-            </a:pPr>
-            <a:r>
-              <a:rPr lang="en-US" altLang="ko-KR" dirty="0" smtClean="0"/>
-              <a:t>print </a:t>
-            </a:r>
-            <a:r>
-              <a:rPr lang="en-US" altLang="ko-KR" dirty="0" err="1" smtClean="0"/>
-              <a:t>extreme_value_count</a:t>
-            </a:r>
-            <a:r>
-              <a:rPr lang="en-US" altLang="ko-KR" dirty="0" smtClean="0"/>
-              <a:t>/100000</a:t>
-            </a:r>
-            <a:endParaRPr lang="ko-KR" altLang="en-US" dirty="0"/>
-          </a:p>
-        </p:txBody>
-      </p:sp>
-    </p:spTree>
-    <p:extLst>
-      <p:ext uri="{BB962C8B-B14F-4D97-AF65-F5344CB8AC3E}">
-        <p14:creationId xmlns:p14="http://schemas.microsoft.com/office/powerpoint/2010/main" val="2503979321"/>
-      </p:ext>
-    </p:extLst>
-  </p:cSld>
-  <p:clrMapOvr>
-    <a:masterClrMapping/>
-  </p:clrMapOvr>
-</p:sld>
-</file>
-
-<file path=ppt/slides/slide14.xml><?xml version="1.0" encoding="utf-8"?>
-<p:sld xmlns:a="http://schemas.openxmlformats.org/drawingml/2006/main" xmlns:r="http://schemas.openxmlformats.org/officeDocument/2006/relationships" xmlns:p="http://schemas.openxmlformats.org/presentationml/2006/main">
-  <p:cSld>
-    <p:spTree>
-      <p:nvGrpSpPr>
-        <p:cNvPr id="1" name=""/>
-        <p:cNvGrpSpPr/>
-        <p:nvPr/>
-      </p:nvGrpSpPr>
-      <p:grpSpPr>
-        <a:xfrm>
-          <a:off x="0" y="0"/>
-          <a:ext cx="0" cy="0"/>
-          <a:chOff x="0" y="0"/>
-          <a:chExt cx="0" cy="0"/>
-        </a:xfrm>
-      </p:grpSpPr>
-      <p:sp>
-        <p:nvSpPr>
-          <p:cNvPr id="2" name="제목 1"/>
-          <p:cNvSpPr>
-            <a:spLocks noGrp="1"/>
-          </p:cNvSpPr>
-          <p:nvPr>
-            <p:ph type="title"/>
-          </p:nvPr>
-        </p:nvSpPr>
         <p:spPr/>
         <p:txBody>
           <a:bodyPr/>
@@ -4369,7 +4137,247 @@
     </p:spTree>
     <p:extLst>
       <p:ext uri="{BB962C8B-B14F-4D97-AF65-F5344CB8AC3E}">
-        <p14:creationId xmlns:p14="http://schemas.microsoft.com/office/powerpoint/2010/main" val="1822345764"/>
+        <p14:creationId xmlns:p14="http://schemas.microsoft.com/office/powerpoint/2010/main" val="763739153"/>
+      </p:ext>
+    </p:extLst>
+  </p:cSld>
+  <p:clrMapOvr>
+    <a:masterClrMapping/>
+  </p:clrMapOvr>
+</p:sld>
+</file>
+
+<file path=ppt/slides/slide14.xml><?xml version="1.0" encoding="utf-8"?>
+<p:sld xmlns:a="http://schemas.openxmlformats.org/drawingml/2006/main" xmlns:r="http://schemas.openxmlformats.org/officeDocument/2006/relationships" xmlns:p="http://schemas.openxmlformats.org/presentationml/2006/main">
+  <p:cSld>
+    <p:spTree>
+      <p:nvGrpSpPr>
+        <p:cNvPr id="1" name=""/>
+        <p:cNvGrpSpPr/>
+        <p:nvPr/>
+      </p:nvGrpSpPr>
+      <p:grpSpPr>
+        <a:xfrm>
+          <a:off x="0" y="0"/>
+          <a:ext cx="0" cy="0"/>
+          <a:chOff x="0" y="0"/>
+          <a:chExt cx="0" cy="0"/>
+        </a:xfrm>
+      </p:grpSpPr>
+      <p:sp>
+        <p:nvSpPr>
+          <p:cNvPr id="2" name="제목 1"/>
+          <p:cNvSpPr>
+            <a:spLocks noGrp="1"/>
+          </p:cNvSpPr>
+          <p:nvPr>
+            <p:ph type="title"/>
+          </p:nvPr>
+        </p:nvSpPr>
+        <p:spPr>
+          <a:xfrm>
+            <a:off x="838200" y="365125"/>
+            <a:ext cx="10515600" cy="952929"/>
+          </a:xfrm>
+        </p:spPr>
+        <p:txBody>
+          <a:bodyPr/>
+          <a:lstStyle/>
+          <a:p>
+            <a:r>
+              <a:rPr lang="ko-KR" altLang="en-US" dirty="0" smtClean="0"/>
+              <a:t>시뮬레이션을 통한 확인</a:t>
+            </a:r>
+            <a:endParaRPr lang="ko-KR" altLang="en-US" dirty="0"/>
+          </a:p>
+        </p:txBody>
+      </p:sp>
+      <p:sp>
+        <p:nvSpPr>
+          <p:cNvPr id="3" name="내용 개체 틀 2"/>
+          <p:cNvSpPr>
+            <a:spLocks noGrp="1"/>
+          </p:cNvSpPr>
+          <p:nvPr>
+            <p:ph idx="1"/>
+          </p:nvPr>
+        </p:nvSpPr>
+        <p:spPr>
+          <a:xfrm>
+            <a:off x="838200" y="1491049"/>
+            <a:ext cx="10515600" cy="4685914"/>
+          </a:xfrm>
+        </p:spPr>
+        <p:txBody>
+          <a:bodyPr>
+            <a:normAutofit/>
+          </a:bodyPr>
+          <a:lstStyle/>
+          <a:p>
+            <a:r>
+              <a:rPr lang="en-US" altLang="ko-KR" dirty="0" smtClean="0"/>
+              <a:t>100000</a:t>
+            </a:r>
+            <a:r>
+              <a:rPr lang="ko-KR" altLang="en-US" dirty="0" smtClean="0"/>
+              <a:t>의 시뮬레이션 실험을 통해</a:t>
+            </a:r>
+            <a:r>
+              <a:rPr lang="en-US" altLang="ko-KR" dirty="0" smtClean="0"/>
+              <a:t>, </a:t>
+            </a:r>
+            <a:r>
+              <a:rPr lang="ko-KR" altLang="en-US" dirty="0" smtClean="0"/>
+              <a:t>총 앞면의 횟수가 </a:t>
+            </a:r>
+            <a:r>
+              <a:rPr lang="en-US" altLang="ko-KR" dirty="0" smtClean="0"/>
+              <a:t>(470, 530)</a:t>
+            </a:r>
+            <a:r>
+              <a:rPr lang="ko-KR" altLang="en-US" dirty="0" smtClean="0"/>
+              <a:t>을 넘어가는 </a:t>
+            </a:r>
+            <a:r>
+              <a:rPr lang="en-US" altLang="ko-KR" dirty="0" smtClean="0"/>
+              <a:t>extreme </a:t>
+            </a:r>
+            <a:r>
+              <a:rPr lang="ko-KR" altLang="en-US" dirty="0" smtClean="0"/>
+              <a:t>사건의 개수를 합산</a:t>
+            </a:r>
+            <a:endParaRPr lang="en-US" altLang="ko-KR" dirty="0" smtClean="0"/>
+          </a:p>
+          <a:p>
+            <a:pPr lvl="1"/>
+            <a:r>
+              <a:rPr lang="ko-KR" altLang="en-US" dirty="0" smtClean="0"/>
+              <a:t>여기서 각각의 실험은 동전을 </a:t>
+            </a:r>
+            <a:r>
+              <a:rPr lang="en-US" altLang="ko-KR" dirty="0" smtClean="0"/>
+              <a:t>1000</a:t>
+            </a:r>
+            <a:r>
+              <a:rPr lang="ko-KR" altLang="en-US" dirty="0" smtClean="0"/>
+              <a:t>회 던지는 실험</a:t>
+            </a:r>
+            <a:endParaRPr lang="en-US" altLang="ko-KR" dirty="0" smtClean="0"/>
+          </a:p>
+          <a:p>
+            <a:pPr marL="0" indent="0">
+              <a:buNone/>
+            </a:pPr>
+            <a:r>
+              <a:rPr lang="en-US" altLang="ko-KR" dirty="0" err="1" smtClean="0"/>
+              <a:t>extreme_value_count</a:t>
+            </a:r>
+            <a:r>
+              <a:rPr lang="en-US" altLang="ko-KR" dirty="0" smtClean="0"/>
+              <a:t> = 0</a:t>
+            </a:r>
+          </a:p>
+          <a:p>
+            <a:pPr marL="0" indent="0">
+              <a:buNone/>
+            </a:pPr>
+            <a:r>
+              <a:rPr lang="en-US" altLang="ko-KR" dirty="0" smtClean="0"/>
+              <a:t>for _ in range(100000):</a:t>
+            </a:r>
+            <a:br>
+              <a:rPr lang="en-US" altLang="ko-KR" dirty="0" smtClean="0"/>
+            </a:br>
+            <a:r>
+              <a:rPr lang="en-US" altLang="ko-KR" dirty="0" smtClean="0"/>
+              <a:t>	</a:t>
+            </a:r>
+            <a:r>
+              <a:rPr lang="en-US" altLang="ko-KR" dirty="0" err="1" smtClean="0"/>
+              <a:t>num_heads</a:t>
+            </a:r>
+            <a:r>
+              <a:rPr lang="en-US" altLang="ko-KR" dirty="0" smtClean="0"/>
+              <a:t> = sum(1 if </a:t>
+            </a:r>
+            <a:r>
+              <a:rPr lang="en-US" altLang="ko-KR" dirty="0" err="1" smtClean="0"/>
+              <a:t>random.random</a:t>
+            </a:r>
+            <a:r>
+              <a:rPr lang="en-US" altLang="ko-KR" dirty="0" smtClean="0"/>
+              <a:t>() &lt; 0.5 else 0</a:t>
+            </a:r>
+            <a:br>
+              <a:rPr lang="en-US" altLang="ko-KR" dirty="0" smtClean="0"/>
+            </a:br>
+            <a:r>
+              <a:rPr lang="en-US" altLang="ko-KR" dirty="0" smtClean="0"/>
+              <a:t>					for _ in range(1000))</a:t>
+            </a:r>
+            <a:br>
+              <a:rPr lang="en-US" altLang="ko-KR" dirty="0" smtClean="0"/>
+            </a:br>
+            <a:r>
+              <a:rPr lang="en-US" altLang="ko-KR" dirty="0" smtClean="0"/>
+              <a:t>	if </a:t>
+            </a:r>
+            <a:r>
+              <a:rPr lang="en-US" altLang="ko-KR" dirty="0" err="1" smtClean="0"/>
+              <a:t>num_heads</a:t>
+            </a:r>
+            <a:r>
+              <a:rPr lang="en-US" altLang="ko-KR" dirty="0" smtClean="0"/>
+              <a:t> &gt;= 530 or </a:t>
+            </a:r>
+            <a:r>
+              <a:rPr lang="en-US" altLang="ko-KR" dirty="0" err="1" smtClean="0"/>
+              <a:t>num_heads</a:t>
+            </a:r>
+            <a:r>
+              <a:rPr lang="en-US" altLang="ko-KR" dirty="0" smtClean="0"/>
+              <a:t> &lt;= 470:</a:t>
+            </a:r>
+            <a:br>
+              <a:rPr lang="en-US" altLang="ko-KR" dirty="0" smtClean="0"/>
+            </a:br>
+            <a:r>
+              <a:rPr lang="en-US" altLang="ko-KR" dirty="0" smtClean="0"/>
+              <a:t>		</a:t>
+            </a:r>
+            <a:r>
+              <a:rPr lang="en-US" altLang="ko-KR" dirty="0" err="1" smtClean="0"/>
+              <a:t>extreme_value_count</a:t>
+            </a:r>
+            <a:r>
+              <a:rPr lang="en-US" altLang="ko-KR" dirty="0" smtClean="0"/>
+              <a:t> += 1</a:t>
+            </a:r>
+          </a:p>
+          <a:p>
+            <a:pPr marL="0" indent="0">
+              <a:buNone/>
+            </a:pPr>
+            <a:r>
+              <a:rPr lang="en-US" altLang="ko-KR" dirty="0" smtClean="0"/>
+              <a:t>print </a:t>
+            </a:r>
+            <a:r>
+              <a:rPr lang="en-US" altLang="ko-KR" dirty="0" err="1" smtClean="0"/>
+              <a:t>extreme_value_count</a:t>
+            </a:r>
+            <a:r>
+              <a:rPr lang="en-US" altLang="ko-KR" dirty="0" smtClean="0"/>
+              <a:t>/100000</a:t>
+            </a:r>
+            <a:endParaRPr lang="ko-KR" altLang="en-US" dirty="0"/>
+          </a:p>
+        </p:txBody>
+      </p:sp>
+    </p:spTree>
+    <p:extLst>
+      <p:ext uri="{BB962C8B-B14F-4D97-AF65-F5344CB8AC3E}">
+        <p14:creationId xmlns:p14="http://schemas.microsoft.com/office/powerpoint/2010/main" val="2503979321"/>
       </p:ext>
     </p:extLst>
   </p:cSld>
@@ -4408,8 +4416,8 @@
         </p:nvSpPr>
         <p:spPr>
           <a:xfrm>
-            <a:off x="838200" y="365125"/>
-            <a:ext cx="10515600" cy="1068259"/>
+            <a:off x="838200" y="365126"/>
+            <a:ext cx="10515600" cy="705794"/>
           </a:xfrm>
         </p:spPr>
         <p:txBody>
@@ -4436,13 +4444,13 @@
         </p:nvSpPr>
         <p:spPr>
           <a:xfrm>
-            <a:off x="838200" y="1556951"/>
-            <a:ext cx="10515600" cy="4620012"/>
+            <a:off x="838200" y="1227438"/>
+            <a:ext cx="10515600" cy="4949525"/>
           </a:xfrm>
         </p:spPr>
         <p:txBody>
           <a:bodyPr>
-            <a:normAutofit fontScale="85000" lnSpcReduction="20000"/>
+            <a:normAutofit fontScale="92500" lnSpcReduction="20000"/>
           </a:bodyPr>
           <a:lstStyle/>
           <a:p>
@@ -4507,11 +4515,7 @@
             </a:r>
             <a:r>
               <a:rPr lang="en-US" altLang="ko-KR" dirty="0" smtClean="0"/>
-              <a:t>() &lt; 0.5 for _ in range(1000</a:t>
-            </a:r>
-            <a:r>
-              <a:rPr lang="en-US" altLang="ko-KR" dirty="0" smtClean="0"/>
-              <a:t>)]</a:t>
+              <a:t>() &lt; 0.5 for _ in range(1000)]</a:t>
             </a:r>
           </a:p>
           <a:p>
@@ -4538,15 +4542,7 @@
             </a:r>
             <a:r>
               <a:rPr lang="en-US" altLang="ko-KR" dirty="0" smtClean="0"/>
-              <a:t>(experiment</a:t>
-            </a:r>
-            <a:r>
-              <a:rPr lang="en-US" altLang="ko-KR" dirty="0" smtClean="0"/>
-              <a:t>):</a:t>
-            </a:r>
-            <a:r>
-              <a:rPr lang="en-US" altLang="ko-KR" dirty="0" smtClean="0"/>
-              <a:t/>
+              <a:t>(experiment):</a:t>
             </a:r>
             <a:br>
               <a:rPr lang="en-US" altLang="ko-KR" dirty="0" smtClean="0"/>
@@ -4568,7 +4564,11 @@
             </a:br>
             <a:r>
               <a:rPr lang="en-US" altLang="ko-KR" dirty="0" smtClean="0"/>
-              <a:t>         return </a:t>
+              <a:t>        </a:t>
+            </a:r>
+            <a:r>
+              <a:rPr lang="en-US" altLang="ko-KR" dirty="0" smtClean="0"/>
+              <a:t>return </a:t>
             </a:r>
             <a:r>
               <a:rPr lang="en-US" altLang="ko-KR" dirty="0" err="1" smtClean="0"/>
@@ -4607,17 +4607,8 @@
             </a:r>
             <a:r>
               <a:rPr lang="en-US" altLang="ko-KR" dirty="0" smtClean="0"/>
-              <a:t>() </a:t>
-            </a:r>
-            <a:r>
-              <a:rPr lang="en-US" altLang="ko-KR" dirty="0" smtClean="0"/>
-              <a:t>for _ in </a:t>
-            </a:r>
-            <a:r>
-              <a:rPr lang="en-US" altLang="ko-KR" dirty="0" smtClean="0"/>
-              <a:t>range(10000)]</a:t>
-            </a:r>
-            <a:endParaRPr lang="en-US" altLang="ko-KR" dirty="0" smtClean="0"/>
+              <a:t>() for _ in range(10000)]</a:t>
+            </a:r>
           </a:p>
           <a:p>
             <a:pPr marL="0" indent="0">
@@ -4645,13 +4636,8 @@
             </a:r>
             <a:r>
               <a:rPr lang="en-US" altLang="ko-KR" dirty="0" smtClean="0"/>
-              <a:t>(</a:t>
-            </a:r>
-            <a:r>
-              <a:rPr lang="en-US" altLang="ko-KR" dirty="0" smtClean="0"/>
-              <a:t>experiment)])</a:t>
-            </a:r>
-            <a:endParaRPr lang="en-US" altLang="ko-KR" dirty="0" smtClean="0"/>
+              <a:t>(experiment)])</a:t>
+            </a:r>
           </a:p>
           <a:p>
             <a:pPr marL="0" indent="0">
@@ -4716,7 +4702,12 @@
             <p:ph type="title"/>
           </p:nvPr>
         </p:nvSpPr>
-        <p:spPr/>
+        <p:spPr>
+          <a:xfrm>
+            <a:off x="838200" y="365126"/>
+            <a:ext cx="10515600" cy="1010594"/>
+          </a:xfrm>
+        </p:spPr>
         <p:txBody>
           <a:bodyPr/>
           <a:lstStyle/>
@@ -4739,7 +4730,12 @@
             <p:ph idx="1"/>
           </p:nvPr>
         </p:nvSpPr>
-        <p:spPr/>
+        <p:spPr>
+          <a:xfrm>
+            <a:off x="838200" y="1466335"/>
+            <a:ext cx="10515600" cy="4710628"/>
+          </a:xfrm>
+        </p:spPr>
         <p:txBody>
           <a:bodyPr/>
           <a:lstStyle/>
@@ -4906,8 +4902,8 @@
           </a:p>
         </p:txBody>
       </p:sp>
-      <mc:AlternateContent xmlns:mc="http://schemas.openxmlformats.org/markup-compatibility/2006">
-        <mc:Choice xmlns:a14="http://schemas.microsoft.com/office/drawing/2010/main" Requires="a14">
+      <mc:AlternateContent xmlns:mc="http://schemas.openxmlformats.org/markup-compatibility/2006" xmlns:a14="http://schemas.microsoft.com/office/drawing/2010/main">
+        <mc:Choice Requires="a14">
           <p:sp>
             <p:nvSpPr>
               <p:cNvPr id="3" name="내용 개체 틀 2"/>
@@ -5162,7 +5158,7 @@
             </p:txBody>
           </p:sp>
         </mc:Choice>
-        <mc:Fallback>
+        <mc:Fallback xmlns="">
           <p:sp>
             <p:nvSpPr>
               <p:cNvPr id="3" name="내용 개체 틀 2"/>
@@ -5261,8 +5257,8 @@
           </a:p>
         </p:txBody>
       </p:sp>
-      <mc:AlternateContent xmlns:mc="http://schemas.openxmlformats.org/markup-compatibility/2006">
-        <mc:Choice xmlns:a14="http://schemas.microsoft.com/office/drawing/2010/main" Requires="a14">
+      <mc:AlternateContent xmlns:mc="http://schemas.openxmlformats.org/markup-compatibility/2006" xmlns:a14="http://schemas.microsoft.com/office/drawing/2010/main">
+        <mc:Choice Requires="a14">
           <p:sp>
             <p:nvSpPr>
               <p:cNvPr id="3" name="내용 개체 틀 2"/>
@@ -5528,7 +5524,7 @@
             </p:txBody>
           </p:sp>
         </mc:Choice>
-        <mc:Fallback>
+        <mc:Fallback xmlns="">
           <p:sp>
             <p:nvSpPr>
               <p:cNvPr id="3" name="내용 개체 틀 2"/>
@@ -6139,15 +6135,7 @@
           <a:p>
             <a:r>
               <a:rPr lang="ko-KR" altLang="en-US" dirty="0" smtClean="0"/>
-              <a:t>다양한 정규 분포 관련 </a:t>
-            </a:r>
-            <a:r>
-              <a:rPr lang="ko-KR" altLang="en-US" dirty="0" smtClean="0"/>
-              <a:t>함수 </a:t>
-            </a:r>
-            <a:r>
-              <a:rPr lang="ko-KR" altLang="en-US" dirty="0" smtClean="0"/>
-              <a:t>만들기</a:t>
+              <a:t>다양한 정규 분포 관련 함수 만들기</a:t>
             </a:r>
             <a:endParaRPr lang="ko-KR" altLang="en-US" dirty="0"/>
           </a:p>
@@ -6188,7 +6176,7 @@
             </a:r>
             <a:r>
               <a:rPr lang="en-US" altLang="ko-KR" dirty="0" err="1" smtClean="0"/>
-              <a:t>norma_cdf</a:t>
+              <a:t>normal_cdf</a:t>
             </a:r>
             <a:endParaRPr lang="en-US" altLang="ko-KR" dirty="0" smtClean="0"/>
           </a:p>
@@ -6230,13 +6218,8 @@
             </a:br>
             <a:r>
               <a:rPr lang="en-US" altLang="ko-KR" dirty="0" smtClean="0"/>
-              <a:t>	return 1-normal_cdf(lo, mu, sigma</a:t>
-            </a:r>
-            <a:r>
-              <a:rPr lang="en-US" altLang="ko-KR" dirty="0" smtClean="0"/>
-              <a:t>)</a:t>
-            </a:r>
-            <a:endParaRPr lang="en-US" altLang="ko-KR" dirty="0" smtClean="0"/>
+              <a:t>	return 1-normal_cdf(lo, mu, sigma)</a:t>
+            </a:r>
           </a:p>
         </p:txBody>
       </p:sp>
@@ -6492,8 +6475,8 @@
           </a:p>
         </p:txBody>
       </p:sp>
-      <mc:AlternateContent xmlns:mc="http://schemas.openxmlformats.org/markup-compatibility/2006">
-        <mc:Choice xmlns:a14="http://schemas.microsoft.com/office/drawing/2010/main" Requires="a14">
+      <mc:AlternateContent xmlns:mc="http://schemas.openxmlformats.org/markup-compatibility/2006" xmlns:a14="http://schemas.microsoft.com/office/drawing/2010/main">
+        <mc:Choice Requires="a14">
           <p:sp>
             <p:nvSpPr>
               <p:cNvPr id="3" name="내용 개체 틀 2"/>
@@ -6610,11 +6593,7 @@
                 </a:r>
                 <a:r>
                   <a:rPr lang="en-US" altLang="ko-KR" dirty="0" smtClean="0"/>
-                  <a:t>(probability, mu, sigma</a:t>
-                </a:r>
-                <a:r>
-                  <a:rPr lang="en-US" altLang="ko-KR" dirty="0" smtClean="0"/>
-                  <a:t>)</a:t>
+                  <a:t>(probability, mu, sigma)</a:t>
                 </a:r>
               </a:p>
               <a:p>
@@ -6725,18 +6704,13 @@
                 </a:r>
                 <a:r>
                   <a:rPr lang="en-US" altLang="ko-KR" dirty="0" smtClean="0"/>
-                  <a:t>(1-probability, mu, sigma</a:t>
-                </a:r>
-                <a:r>
-                  <a:rPr lang="en-US" altLang="ko-KR" dirty="0" smtClean="0"/>
-                  <a:t>)</a:t>
-                </a:r>
-                <a:endParaRPr lang="en-US" altLang="ko-KR" dirty="0" smtClean="0"/>
+                  <a:t>(1-probability, mu, sigma)</a:t>
+                </a:r>
               </a:p>
             </p:txBody>
           </p:sp>
         </mc:Choice>
-        <mc:Fallback>
+        <mc:Fallback xmlns="">
           <p:sp>
             <p:nvSpPr>
               <p:cNvPr id="3" name="내용 개체 틀 2"/>
@@ -6827,8 +6801,8 @@
           </a:p>
         </p:txBody>
       </p:sp>
-      <mc:AlternateContent xmlns:mc="http://schemas.openxmlformats.org/markup-compatibility/2006">
-        <mc:Choice xmlns:a14="http://schemas.microsoft.com/office/drawing/2010/main" Requires="a14">
+      <mc:AlternateContent xmlns:mc="http://schemas.openxmlformats.org/markup-compatibility/2006" xmlns:a14="http://schemas.microsoft.com/office/drawing/2010/main">
+        <mc:Choice Requires="a14">
           <p:sp>
             <p:nvSpPr>
               <p:cNvPr id="3" name="내용 개체 틀 2"/>
@@ -7133,7 +7107,7 @@
             </p:txBody>
           </p:sp>
         </mc:Choice>
-        <mc:Fallback>
+        <mc:Fallback xmlns="">
           <p:sp>
             <p:nvSpPr>
               <p:cNvPr id="3" name="내용 개체 틀 2"/>

--- a/ppt/Python_10_가설 검정과 통계적 추론.pptx
+++ b/ppt/Python_10_가설 검정과 통계적 추론.pptx
@@ -257,7 +257,7 @@
           <a:p>
             <a:fld id="{D1DA6318-F05F-43A8-92D4-154D176C579E}" type="datetimeFigureOut">
               <a:rPr lang="ko-KR" altLang="en-US" smtClean="0"/>
-              <a:t>2017-06-08</a:t>
+              <a:t>2018-02-28</a:t>
             </a:fld>
             <a:endParaRPr lang="ko-KR" altLang="en-US"/>
           </a:p>
@@ -427,7 +427,7 @@
           <a:p>
             <a:fld id="{D1DA6318-F05F-43A8-92D4-154D176C579E}" type="datetimeFigureOut">
               <a:rPr lang="ko-KR" altLang="en-US" smtClean="0"/>
-              <a:t>2017-06-08</a:t>
+              <a:t>2018-02-28</a:t>
             </a:fld>
             <a:endParaRPr lang="ko-KR" altLang="en-US"/>
           </a:p>
@@ -607,7 +607,7 @@
           <a:p>
             <a:fld id="{D1DA6318-F05F-43A8-92D4-154D176C579E}" type="datetimeFigureOut">
               <a:rPr lang="ko-KR" altLang="en-US" smtClean="0"/>
-              <a:t>2017-06-08</a:t>
+              <a:t>2018-02-28</a:t>
             </a:fld>
             <a:endParaRPr lang="ko-KR" altLang="en-US"/>
           </a:p>
@@ -777,7 +777,7 @@
           <a:p>
             <a:fld id="{D1DA6318-F05F-43A8-92D4-154D176C579E}" type="datetimeFigureOut">
               <a:rPr lang="ko-KR" altLang="en-US" smtClean="0"/>
-              <a:t>2017-06-08</a:t>
+              <a:t>2018-02-28</a:t>
             </a:fld>
             <a:endParaRPr lang="ko-KR" altLang="en-US"/>
           </a:p>
@@ -1023,7 +1023,7 @@
           <a:p>
             <a:fld id="{D1DA6318-F05F-43A8-92D4-154D176C579E}" type="datetimeFigureOut">
               <a:rPr lang="ko-KR" altLang="en-US" smtClean="0"/>
-              <a:t>2017-06-08</a:t>
+              <a:t>2018-02-28</a:t>
             </a:fld>
             <a:endParaRPr lang="ko-KR" altLang="en-US"/>
           </a:p>
@@ -1255,7 +1255,7 @@
           <a:p>
             <a:fld id="{D1DA6318-F05F-43A8-92D4-154D176C579E}" type="datetimeFigureOut">
               <a:rPr lang="ko-KR" altLang="en-US" smtClean="0"/>
-              <a:t>2017-06-08</a:t>
+              <a:t>2018-02-28</a:t>
             </a:fld>
             <a:endParaRPr lang="ko-KR" altLang="en-US"/>
           </a:p>
@@ -1622,7 +1622,7 @@
           <a:p>
             <a:fld id="{D1DA6318-F05F-43A8-92D4-154D176C579E}" type="datetimeFigureOut">
               <a:rPr lang="ko-KR" altLang="en-US" smtClean="0"/>
-              <a:t>2017-06-08</a:t>
+              <a:t>2018-02-28</a:t>
             </a:fld>
             <a:endParaRPr lang="ko-KR" altLang="en-US"/>
           </a:p>
@@ -1740,7 +1740,7 @@
           <a:p>
             <a:fld id="{D1DA6318-F05F-43A8-92D4-154D176C579E}" type="datetimeFigureOut">
               <a:rPr lang="ko-KR" altLang="en-US" smtClean="0"/>
-              <a:t>2017-06-08</a:t>
+              <a:t>2018-02-28</a:t>
             </a:fld>
             <a:endParaRPr lang="ko-KR" altLang="en-US"/>
           </a:p>
@@ -1835,7 +1835,7 @@
           <a:p>
             <a:fld id="{D1DA6318-F05F-43A8-92D4-154D176C579E}" type="datetimeFigureOut">
               <a:rPr lang="ko-KR" altLang="en-US" smtClean="0"/>
-              <a:t>2017-06-08</a:t>
+              <a:t>2018-02-28</a:t>
             </a:fld>
             <a:endParaRPr lang="ko-KR" altLang="en-US"/>
           </a:p>
@@ -2112,7 +2112,7 @@
           <a:p>
             <a:fld id="{D1DA6318-F05F-43A8-92D4-154D176C579E}" type="datetimeFigureOut">
               <a:rPr lang="ko-KR" altLang="en-US" smtClean="0"/>
-              <a:t>2017-06-08</a:t>
+              <a:t>2018-02-28</a:t>
             </a:fld>
             <a:endParaRPr lang="ko-KR" altLang="en-US"/>
           </a:p>
@@ -2365,7 +2365,7 @@
           <a:p>
             <a:fld id="{D1DA6318-F05F-43A8-92D4-154D176C579E}" type="datetimeFigureOut">
               <a:rPr lang="ko-KR" altLang="en-US" smtClean="0"/>
-              <a:t>2017-06-08</a:t>
+              <a:t>2018-02-28</a:t>
             </a:fld>
             <a:endParaRPr lang="ko-KR" altLang="en-US"/>
           </a:p>
@@ -2578,7 +2578,7 @@
           <a:p>
             <a:fld id="{D1DA6318-F05F-43A8-92D4-154D176C579E}" type="datetimeFigureOut">
               <a:rPr lang="ko-KR" altLang="en-US" smtClean="0"/>
-              <a:t>2017-06-08</a:t>
+              <a:t>2018-02-28</a:t>
             </a:fld>
             <a:endParaRPr lang="ko-KR" altLang="en-US"/>
           </a:p>
@@ -3078,8 +3078,8 @@
           </a:p>
         </p:txBody>
       </p:sp>
-      <mc:AlternateContent xmlns:mc="http://schemas.openxmlformats.org/markup-compatibility/2006">
-        <mc:Choice xmlns:a14="http://schemas.microsoft.com/office/drawing/2010/main" Requires="a14">
+      <mc:AlternateContent xmlns:mc="http://schemas.openxmlformats.org/markup-compatibility/2006" xmlns:a14="http://schemas.microsoft.com/office/drawing/2010/main">
+        <mc:Choice Requires="a14">
           <p:sp>
             <p:nvSpPr>
               <p:cNvPr id="3" name="내용 개체 틀 2"/>
@@ -3302,11 +3302,7 @@
                 </a:r>
                 <a:r>
                   <a:rPr lang="en-US" altLang="ko-KR" dirty="0" smtClean="0"/>
-                  <a:t>(0.95</a:t>
-                </a:r>
-                <a:r>
-                  <a:rPr lang="en-US" altLang="ko-KR" dirty="0" smtClean="0"/>
-                  <a:t>, mu_0, sigma_0)   # (469,  531)</a:t>
+                  <a:t>(0.95, mu_0, sigma_0)   # (469,  531)</a:t>
                 </a:r>
               </a:p>
               <a:p>
@@ -3315,7 +3311,7 @@
             </p:txBody>
           </p:sp>
         </mc:Choice>
-        <mc:Fallback>
+        <mc:Fallback xmlns="">
           <p:sp>
             <p:nvSpPr>
               <p:cNvPr id="3" name="내용 개체 틀 2"/>
@@ -4360,7 +4356,7 @@
             </a:pPr>
             <a:r>
               <a:rPr lang="en-US" altLang="ko-KR" dirty="0" smtClean="0"/>
-              <a:t>print </a:t>
+              <a:t>print(</a:t>
             </a:r>
             <a:r>
               <a:rPr lang="en-US" altLang="ko-KR" dirty="0" err="1" smtClean="0"/>
@@ -4368,7 +4364,7 @@
             </a:r>
             <a:r>
               <a:rPr lang="en-US" altLang="ko-KR" dirty="0" smtClean="0"/>
-              <a:t>/100000</a:t>
+              <a:t>/100000)</a:t>
             </a:r>
             <a:endParaRPr lang="ko-KR" altLang="en-US" dirty="0"/>
           </a:p>
@@ -4564,11 +4560,7 @@
             </a:br>
             <a:r>
               <a:rPr lang="en-US" altLang="ko-KR" dirty="0" smtClean="0"/>
-              <a:t>        </a:t>
-            </a:r>
-            <a:r>
-              <a:rPr lang="en-US" altLang="ko-KR" dirty="0" smtClean="0"/>
-              <a:t>return </a:t>
+              <a:t>        return </a:t>
             </a:r>
             <a:r>
               <a:rPr lang="en-US" altLang="ko-KR" dirty="0" err="1" smtClean="0"/>
@@ -4645,11 +4637,15 @@
             </a:pPr>
             <a:r>
               <a:rPr lang="en-US" altLang="ko-KR" dirty="0" smtClean="0"/>
-              <a:t>print </a:t>
+              <a:t>print(</a:t>
             </a:r>
             <a:r>
               <a:rPr lang="en-US" altLang="ko-KR" dirty="0" err="1" smtClean="0"/>
               <a:t>num_rejections</a:t>
+            </a:r>
+            <a:r>
+              <a:rPr lang="en-US" altLang="ko-KR" smtClean="0"/>
+              <a:t>)</a:t>
             </a:r>
             <a:endParaRPr lang="ko-KR" altLang="en-US" dirty="0"/>
           </a:p>

--- a/ppt/Python_10_가설 검정과 통계적 추론.pptx
+++ b/ppt/Python_10_가설 검정과 통계적 추론.pptx
@@ -257,7 +257,7 @@
           <a:p>
             <a:fld id="{D1DA6318-F05F-43A8-92D4-154D176C579E}" type="datetimeFigureOut">
               <a:rPr lang="ko-KR" altLang="en-US" smtClean="0"/>
-              <a:t>2018-02-28</a:t>
+              <a:t>2018-03-02</a:t>
             </a:fld>
             <a:endParaRPr lang="ko-KR" altLang="en-US"/>
           </a:p>
@@ -427,7 +427,7 @@
           <a:p>
             <a:fld id="{D1DA6318-F05F-43A8-92D4-154D176C579E}" type="datetimeFigureOut">
               <a:rPr lang="ko-KR" altLang="en-US" smtClean="0"/>
-              <a:t>2018-02-28</a:t>
+              <a:t>2018-03-02</a:t>
             </a:fld>
             <a:endParaRPr lang="ko-KR" altLang="en-US"/>
           </a:p>
@@ -607,7 +607,7 @@
           <a:p>
             <a:fld id="{D1DA6318-F05F-43A8-92D4-154D176C579E}" type="datetimeFigureOut">
               <a:rPr lang="ko-KR" altLang="en-US" smtClean="0"/>
-              <a:t>2018-02-28</a:t>
+              <a:t>2018-03-02</a:t>
             </a:fld>
             <a:endParaRPr lang="ko-KR" altLang="en-US"/>
           </a:p>
@@ -777,7 +777,7 @@
           <a:p>
             <a:fld id="{D1DA6318-F05F-43A8-92D4-154D176C579E}" type="datetimeFigureOut">
               <a:rPr lang="ko-KR" altLang="en-US" smtClean="0"/>
-              <a:t>2018-02-28</a:t>
+              <a:t>2018-03-02</a:t>
             </a:fld>
             <a:endParaRPr lang="ko-KR" altLang="en-US"/>
           </a:p>
@@ -1023,7 +1023,7 @@
           <a:p>
             <a:fld id="{D1DA6318-F05F-43A8-92D4-154D176C579E}" type="datetimeFigureOut">
               <a:rPr lang="ko-KR" altLang="en-US" smtClean="0"/>
-              <a:t>2018-02-28</a:t>
+              <a:t>2018-03-02</a:t>
             </a:fld>
             <a:endParaRPr lang="ko-KR" altLang="en-US"/>
           </a:p>
@@ -1255,7 +1255,7 @@
           <a:p>
             <a:fld id="{D1DA6318-F05F-43A8-92D4-154D176C579E}" type="datetimeFigureOut">
               <a:rPr lang="ko-KR" altLang="en-US" smtClean="0"/>
-              <a:t>2018-02-28</a:t>
+              <a:t>2018-03-02</a:t>
             </a:fld>
             <a:endParaRPr lang="ko-KR" altLang="en-US"/>
           </a:p>
@@ -1622,7 +1622,7 @@
           <a:p>
             <a:fld id="{D1DA6318-F05F-43A8-92D4-154D176C579E}" type="datetimeFigureOut">
               <a:rPr lang="ko-KR" altLang="en-US" smtClean="0"/>
-              <a:t>2018-02-28</a:t>
+              <a:t>2018-03-02</a:t>
             </a:fld>
             <a:endParaRPr lang="ko-KR" altLang="en-US"/>
           </a:p>
@@ -1740,7 +1740,7 @@
           <a:p>
             <a:fld id="{D1DA6318-F05F-43A8-92D4-154D176C579E}" type="datetimeFigureOut">
               <a:rPr lang="ko-KR" altLang="en-US" smtClean="0"/>
-              <a:t>2018-02-28</a:t>
+              <a:t>2018-03-02</a:t>
             </a:fld>
             <a:endParaRPr lang="ko-KR" altLang="en-US"/>
           </a:p>
@@ -1835,7 +1835,7 @@
           <a:p>
             <a:fld id="{D1DA6318-F05F-43A8-92D4-154D176C579E}" type="datetimeFigureOut">
               <a:rPr lang="ko-KR" altLang="en-US" smtClean="0"/>
-              <a:t>2018-02-28</a:t>
+              <a:t>2018-03-02</a:t>
             </a:fld>
             <a:endParaRPr lang="ko-KR" altLang="en-US"/>
           </a:p>
@@ -2112,7 +2112,7 @@
           <a:p>
             <a:fld id="{D1DA6318-F05F-43A8-92D4-154D176C579E}" type="datetimeFigureOut">
               <a:rPr lang="ko-KR" altLang="en-US" smtClean="0"/>
-              <a:t>2018-02-28</a:t>
+              <a:t>2018-03-02</a:t>
             </a:fld>
             <a:endParaRPr lang="ko-KR" altLang="en-US"/>
           </a:p>
@@ -2365,7 +2365,7 @@
           <a:p>
             <a:fld id="{D1DA6318-F05F-43A8-92D4-154D176C579E}" type="datetimeFigureOut">
               <a:rPr lang="ko-KR" altLang="en-US" smtClean="0"/>
-              <a:t>2018-02-28</a:t>
+              <a:t>2018-03-02</a:t>
             </a:fld>
             <a:endParaRPr lang="ko-KR" altLang="en-US"/>
           </a:p>
@@ -2578,7 +2578,7 @@
           <a:p>
             <a:fld id="{D1DA6318-F05F-43A8-92D4-154D176C579E}" type="datetimeFigureOut">
               <a:rPr lang="ko-KR" altLang="en-US" smtClean="0"/>
-              <a:t>2018-02-28</a:t>
+              <a:t>2018-03-02</a:t>
             </a:fld>
             <a:endParaRPr lang="ko-KR" altLang="en-US"/>
           </a:p>
@@ -3078,8 +3078,8 @@
           </a:p>
         </p:txBody>
       </p:sp>
-      <mc:AlternateContent xmlns:mc="http://schemas.openxmlformats.org/markup-compatibility/2006" xmlns:a14="http://schemas.microsoft.com/office/drawing/2010/main">
-        <mc:Choice Requires="a14">
+      <mc:AlternateContent xmlns:mc="http://schemas.openxmlformats.org/markup-compatibility/2006">
+        <mc:Choice xmlns:a14="http://schemas.microsoft.com/office/drawing/2010/main" Requires="a14">
           <p:sp>
             <p:nvSpPr>
               <p:cNvPr id="3" name="내용 개체 틀 2"/>
@@ -3195,7 +3195,15 @@
                 </a:r>
                 <a:r>
                   <a:rPr lang="ko-KR" altLang="en-US" dirty="0" smtClean="0"/>
-                  <a:t>의 정규 분포를 근사</a:t>
+                  <a:t>의 정규 </a:t>
+                </a:r>
+                <a:r>
+                  <a:rPr lang="ko-KR" altLang="en-US" dirty="0" smtClean="0"/>
+                  <a:t>분포에 </a:t>
+                </a:r>
+                <a:r>
+                  <a:rPr lang="ko-KR" altLang="en-US" dirty="0" smtClean="0"/>
+                  <a:t>근사</a:t>
                 </a:r>
                 <a:endParaRPr lang="en-US" altLang="ko-KR" dirty="0" smtClean="0"/>
               </a:p>
@@ -3311,7 +3319,7 @@
             </p:txBody>
           </p:sp>
         </mc:Choice>
-        <mc:Fallback xmlns="">
+        <mc:Fallback>
           <p:sp>
             <p:nvSpPr>
               <p:cNvPr id="3" name="내용 개체 틀 2"/>
@@ -3323,7 +3331,7 @@
               </p:nvPr>
             </p:nvSpPr>
             <p:spPr>
-              <a:blipFill rotWithShape="0">
+              <a:blipFill>
                 <a:blip r:embed="rId2"/>
                 <a:stretch>
                   <a:fillRect l="-1043" t="-2381"/>
@@ -4206,7 +4214,7 @@
         </p:spPr>
         <p:txBody>
           <a:bodyPr>
-            <a:normAutofit/>
+            <a:normAutofit lnSpcReduction="10000"/>
           </a:bodyPr>
           <a:lstStyle/>
           <a:p>
@@ -4256,7 +4264,21 @@
             </a:r>
             <a:r>
               <a:rPr lang="ko-KR" altLang="en-US" dirty="0" smtClean="0"/>
-              <a:t>회 던지는 실험</a:t>
+              <a:t>회 던지는 </a:t>
+            </a:r>
+            <a:r>
+              <a:rPr lang="ko-KR" altLang="en-US" dirty="0" smtClean="0"/>
+              <a:t>실험</a:t>
+            </a:r>
+            <a:endParaRPr lang="en-US" altLang="ko-KR" dirty="0" smtClean="0"/>
+          </a:p>
+          <a:p>
+            <a:pPr marL="0" indent="0">
+              <a:buNone/>
+            </a:pPr>
+            <a:r>
+              <a:rPr lang="en-US" altLang="ko-KR" dirty="0" smtClean="0"/>
+              <a:t>import random</a:t>
             </a:r>
             <a:endParaRPr lang="en-US" altLang="ko-KR" dirty="0" smtClean="0"/>
           </a:p>
@@ -6299,7 +6321,7 @@
               <a:rPr lang="ko-KR" altLang="en-US" dirty="0"/>
               <a:t>주어진 두 값 사이에 위치할 확률</a:t>
             </a:r>
-            <a:endParaRPr lang="en-US" altLang="ko-KR"/>
+            <a:endParaRPr lang="en-US" altLang="ko-KR" dirty="0"/>
           </a:p>
           <a:p>
             <a:pPr lvl="1"/>
@@ -6357,10 +6379,10 @@
           </a:p>
           <a:p>
             <a:r>
-              <a:rPr lang="ko-KR" altLang="en-US"/>
+              <a:rPr lang="ko-KR" altLang="en-US" dirty="0"/>
               <a:t>주어진 두 값의 바깥에 위치할 확률</a:t>
             </a:r>
-            <a:endParaRPr lang="en-US" altLang="ko-KR"/>
+            <a:endParaRPr lang="en-US" altLang="ko-KR" dirty="0"/>
           </a:p>
           <a:p>
             <a:pPr lvl="1"/>
@@ -6395,7 +6417,7 @@
               <a:rPr lang="en-US" altLang="ko-KR" dirty="0"/>
               <a:t>(lo, hi, mu, sigma)</a:t>
             </a:r>
-            <a:endParaRPr lang="ko-KR" altLang="en-US"/>
+            <a:endParaRPr lang="ko-KR" altLang="en-US" dirty="0"/>
           </a:p>
           <a:p>
             <a:endParaRPr lang="ko-KR" altLang="en-US" dirty="0"/>
@@ -6797,8 +6819,8 @@
           </a:p>
         </p:txBody>
       </p:sp>
-      <mc:AlternateContent xmlns:mc="http://schemas.openxmlformats.org/markup-compatibility/2006" xmlns:a14="http://schemas.microsoft.com/office/drawing/2010/main">
-        <mc:Choice Requires="a14">
+      <mc:AlternateContent xmlns:mc="http://schemas.openxmlformats.org/markup-compatibility/2006">
+        <mc:Choice xmlns:a14="http://schemas.microsoft.com/office/drawing/2010/main" Requires="a14">
           <p:sp>
             <p:nvSpPr>
               <p:cNvPr id="3" name="내용 개체 틀 2"/>
@@ -6909,11 +6931,11 @@
                   <a:t> </a:t>
                 </a:r>
                 <a:r>
-                  <a:rPr lang="ko-KR" altLang="en-US"/>
+                  <a:rPr lang="ko-KR" altLang="en-US" dirty="0"/>
                   <a:t>가 </a:t>
                 </a:r>
                 <a:r>
-                  <a:rPr lang="ko-KR" altLang="en-US" smtClean="0"/>
+                  <a:rPr lang="ko-KR" altLang="en-US" dirty="0" smtClean="0"/>
                   <a:t>되게 하는 </a:t>
                 </a:r>
                 <a:r>
@@ -6977,7 +6999,7 @@
                 </a:r>
                 <a:r>
                   <a:rPr lang="en-US" altLang="ko-KR" dirty="0" err="1" smtClean="0"/>
-                  <a:t>tail_probalibity</a:t>
+                  <a:t>tail_probability</a:t>
                 </a:r>
                 <a:r>
                   <a:rPr lang="en-US" altLang="ko-KR" dirty="0" smtClean="0"/>
@@ -7103,7 +7125,7 @@
             </p:txBody>
           </p:sp>
         </mc:Choice>
-        <mc:Fallback xmlns="">
+        <mc:Fallback>
           <p:sp>
             <p:nvSpPr>
               <p:cNvPr id="3" name="내용 개체 틀 2"/>
@@ -7115,7 +7137,7 @@
               </p:nvPr>
             </p:nvSpPr>
             <p:spPr>
-              <a:blipFill rotWithShape="0">
+              <a:blipFill>
                 <a:blip r:embed="rId2"/>
                 <a:stretch>
                   <a:fillRect t="-2381"/>
